--- a/notes10-ic3.pptx
+++ b/notes10-ic3.pptx
@@ -11,6 +11,9 @@
     <p:sldId id="259" r:id="rId6"/>
     <p:sldId id="260" r:id="rId7"/>
     <p:sldId id="261" r:id="rId8"/>
+    <p:sldId id="262" r:id="rId9"/>
+    <p:sldId id="263" r:id="rId10"/>
+    <p:sldId id="264" r:id="rId11"/>
   </p:sldIdLst>
   <p:sldSz cx="12192000" cy="6858000"/>
   <p:notesSz cx="6858000" cy="9144000"/>
@@ -133,7 +136,7 @@
         <p:nvSpPr>
           <p:cNvPr id="2" name="标题 1"/>
           <p:cNvSpPr>
-            <a:spLocks noGrp="true"/>
+            <a:spLocks noGrp="1"/>
           </p:cNvSpPr>
           <p:nvPr>
             <p:ph type="ctrTitle"/>
@@ -165,7 +168,7 @@
         <p:nvSpPr>
           <p:cNvPr id="3" name="副标题 2"/>
           <p:cNvSpPr>
-            <a:spLocks noGrp="true"/>
+            <a:spLocks noGrp="1"/>
           </p:cNvSpPr>
           <p:nvPr>
             <p:ph type="subTitle" idx="1"/>
@@ -230,7 +233,7 @@
         <p:nvSpPr>
           <p:cNvPr id="4" name="日期占位符 3"/>
           <p:cNvSpPr>
-            <a:spLocks noGrp="true"/>
+            <a:spLocks noGrp="1"/>
           </p:cNvSpPr>
           <p:nvPr>
             <p:ph type="dt" sz="half" idx="10"/>
@@ -252,7 +255,7 @@
         <p:nvSpPr>
           <p:cNvPr id="5" name="页脚占位符 4"/>
           <p:cNvSpPr>
-            <a:spLocks noGrp="true"/>
+            <a:spLocks noGrp="1"/>
           </p:cNvSpPr>
           <p:nvPr>
             <p:ph type="ftr" sz="quarter" idx="11"/>
@@ -271,7 +274,7 @@
         <p:nvSpPr>
           <p:cNvPr id="6" name="灯片编号占位符 5"/>
           <p:cNvSpPr>
-            <a:spLocks noGrp="true"/>
+            <a:spLocks noGrp="1"/>
           </p:cNvSpPr>
           <p:nvPr>
             <p:ph type="sldNum" sz="quarter" idx="12"/>
@@ -318,7 +321,7 @@
         <p:nvSpPr>
           <p:cNvPr id="2" name="标题 1"/>
           <p:cNvSpPr>
-            <a:spLocks noGrp="true"/>
+            <a:spLocks noGrp="1"/>
           </p:cNvSpPr>
           <p:nvPr>
             <p:ph type="title"/>
@@ -341,7 +344,7 @@
         <p:nvSpPr>
           <p:cNvPr id="3" name="竖排文字占位符 2"/>
           <p:cNvSpPr>
-            <a:spLocks noGrp="true"/>
+            <a:spLocks noGrp="1"/>
           </p:cNvSpPr>
           <p:nvPr>
             <p:ph type="body" orient="vert" idx="1"/>
@@ -397,7 +400,7 @@
         <p:nvSpPr>
           <p:cNvPr id="4" name="日期占位符 3"/>
           <p:cNvSpPr>
-            <a:spLocks noGrp="true"/>
+            <a:spLocks noGrp="1"/>
           </p:cNvSpPr>
           <p:nvPr>
             <p:ph type="dt" sz="half" idx="10"/>
@@ -419,7 +422,7 @@
         <p:nvSpPr>
           <p:cNvPr id="5" name="页脚占位符 4"/>
           <p:cNvSpPr>
-            <a:spLocks noGrp="true"/>
+            <a:spLocks noGrp="1"/>
           </p:cNvSpPr>
           <p:nvPr>
             <p:ph type="ftr" sz="quarter" idx="11"/>
@@ -438,7 +441,7 @@
         <p:nvSpPr>
           <p:cNvPr id="6" name="灯片编号占位符 5"/>
           <p:cNvSpPr>
-            <a:spLocks noGrp="true"/>
+            <a:spLocks noGrp="1"/>
           </p:cNvSpPr>
           <p:nvPr>
             <p:ph type="sldNum" sz="quarter" idx="12"/>
@@ -485,7 +488,7 @@
         <p:nvSpPr>
           <p:cNvPr id="2" name="竖排标题 1"/>
           <p:cNvSpPr>
-            <a:spLocks noGrp="true"/>
+            <a:spLocks noGrp="1"/>
           </p:cNvSpPr>
           <p:nvPr>
             <p:ph type="title" orient="vert"/>
@@ -513,7 +516,7 @@
         <p:nvSpPr>
           <p:cNvPr id="3" name="竖排文字占位符 2"/>
           <p:cNvSpPr>
-            <a:spLocks noGrp="true"/>
+            <a:spLocks noGrp="1"/>
           </p:cNvSpPr>
           <p:nvPr>
             <p:ph type="body" orient="vert" idx="1"/>
@@ -574,7 +577,7 @@
         <p:nvSpPr>
           <p:cNvPr id="4" name="日期占位符 3"/>
           <p:cNvSpPr>
-            <a:spLocks noGrp="true"/>
+            <a:spLocks noGrp="1"/>
           </p:cNvSpPr>
           <p:nvPr>
             <p:ph type="dt" sz="half" idx="10"/>
@@ -596,7 +599,7 @@
         <p:nvSpPr>
           <p:cNvPr id="5" name="页脚占位符 4"/>
           <p:cNvSpPr>
-            <a:spLocks noGrp="true"/>
+            <a:spLocks noGrp="1"/>
           </p:cNvSpPr>
           <p:nvPr>
             <p:ph type="ftr" sz="quarter" idx="11"/>
@@ -615,7 +618,7 @@
         <p:nvSpPr>
           <p:cNvPr id="6" name="灯片编号占位符 5"/>
           <p:cNvSpPr>
-            <a:spLocks noGrp="true"/>
+            <a:spLocks noGrp="1"/>
           </p:cNvSpPr>
           <p:nvPr>
             <p:ph type="sldNum" sz="quarter" idx="12"/>
@@ -662,7 +665,7 @@
         <p:nvSpPr>
           <p:cNvPr id="2" name="标题 1"/>
           <p:cNvSpPr>
-            <a:spLocks noGrp="true"/>
+            <a:spLocks noGrp="1"/>
           </p:cNvSpPr>
           <p:nvPr>
             <p:ph type="title"/>
@@ -685,7 +688,7 @@
         <p:nvSpPr>
           <p:cNvPr id="3" name="内容占位符 2"/>
           <p:cNvSpPr>
-            <a:spLocks noGrp="true"/>
+            <a:spLocks noGrp="1"/>
           </p:cNvSpPr>
           <p:nvPr>
             <p:ph idx="1"/>
@@ -741,7 +744,7 @@
         <p:nvSpPr>
           <p:cNvPr id="4" name="日期占位符 3"/>
           <p:cNvSpPr>
-            <a:spLocks noGrp="true"/>
+            <a:spLocks noGrp="1"/>
           </p:cNvSpPr>
           <p:nvPr>
             <p:ph type="dt" sz="half" idx="10"/>
@@ -763,7 +766,7 @@
         <p:nvSpPr>
           <p:cNvPr id="5" name="页脚占位符 4"/>
           <p:cNvSpPr>
-            <a:spLocks noGrp="true"/>
+            <a:spLocks noGrp="1"/>
           </p:cNvSpPr>
           <p:nvPr>
             <p:ph type="ftr" sz="quarter" idx="11"/>
@@ -782,7 +785,7 @@
         <p:nvSpPr>
           <p:cNvPr id="6" name="灯片编号占位符 5"/>
           <p:cNvSpPr>
-            <a:spLocks noGrp="true"/>
+            <a:spLocks noGrp="1"/>
           </p:cNvSpPr>
           <p:nvPr>
             <p:ph type="sldNum" sz="quarter" idx="12"/>
@@ -829,7 +832,7 @@
         <p:nvSpPr>
           <p:cNvPr id="2" name="标题 1"/>
           <p:cNvSpPr>
-            <a:spLocks noGrp="true"/>
+            <a:spLocks noGrp="1"/>
           </p:cNvSpPr>
           <p:nvPr>
             <p:ph type="title"/>
@@ -861,7 +864,7 @@
         <p:nvSpPr>
           <p:cNvPr id="3" name="文本占位符 2"/>
           <p:cNvSpPr>
-            <a:spLocks noGrp="true"/>
+            <a:spLocks noGrp="1"/>
           </p:cNvSpPr>
           <p:nvPr>
             <p:ph type="body" idx="1"/>
@@ -981,7 +984,7 @@
         <p:nvSpPr>
           <p:cNvPr id="4" name="日期占位符 3"/>
           <p:cNvSpPr>
-            <a:spLocks noGrp="true"/>
+            <a:spLocks noGrp="1"/>
           </p:cNvSpPr>
           <p:nvPr>
             <p:ph type="dt" sz="half" idx="10"/>
@@ -1003,7 +1006,7 @@
         <p:nvSpPr>
           <p:cNvPr id="5" name="页脚占位符 4"/>
           <p:cNvSpPr>
-            <a:spLocks noGrp="true"/>
+            <a:spLocks noGrp="1"/>
           </p:cNvSpPr>
           <p:nvPr>
             <p:ph type="ftr" sz="quarter" idx="11"/>
@@ -1022,7 +1025,7 @@
         <p:nvSpPr>
           <p:cNvPr id="6" name="灯片编号占位符 5"/>
           <p:cNvSpPr>
-            <a:spLocks noGrp="true"/>
+            <a:spLocks noGrp="1"/>
           </p:cNvSpPr>
           <p:nvPr>
             <p:ph type="sldNum" sz="quarter" idx="12"/>
@@ -1069,7 +1072,7 @@
         <p:nvSpPr>
           <p:cNvPr id="2" name="标题 1"/>
           <p:cNvSpPr>
-            <a:spLocks noGrp="true"/>
+            <a:spLocks noGrp="1"/>
           </p:cNvSpPr>
           <p:nvPr>
             <p:ph type="title"/>
@@ -1092,7 +1095,7 @@
         <p:nvSpPr>
           <p:cNvPr id="3" name="内容占位符 2"/>
           <p:cNvSpPr>
-            <a:spLocks noGrp="true"/>
+            <a:spLocks noGrp="1"/>
           </p:cNvSpPr>
           <p:nvPr>
             <p:ph sz="half" idx="1"/>
@@ -1153,7 +1156,7 @@
         <p:nvSpPr>
           <p:cNvPr id="4" name="内容占位符 3"/>
           <p:cNvSpPr>
-            <a:spLocks noGrp="true"/>
+            <a:spLocks noGrp="1"/>
           </p:cNvSpPr>
           <p:nvPr>
             <p:ph sz="half" idx="2"/>
@@ -1214,7 +1217,7 @@
         <p:nvSpPr>
           <p:cNvPr id="5" name="日期占位符 4"/>
           <p:cNvSpPr>
-            <a:spLocks noGrp="true"/>
+            <a:spLocks noGrp="1"/>
           </p:cNvSpPr>
           <p:nvPr>
             <p:ph type="dt" sz="half" idx="10"/>
@@ -1236,7 +1239,7 @@
         <p:nvSpPr>
           <p:cNvPr id="6" name="页脚占位符 5"/>
           <p:cNvSpPr>
-            <a:spLocks noGrp="true"/>
+            <a:spLocks noGrp="1"/>
           </p:cNvSpPr>
           <p:nvPr>
             <p:ph type="ftr" sz="quarter" idx="11"/>
@@ -1255,7 +1258,7 @@
         <p:nvSpPr>
           <p:cNvPr id="7" name="灯片编号占位符 6"/>
           <p:cNvSpPr>
-            <a:spLocks noGrp="true"/>
+            <a:spLocks noGrp="1"/>
           </p:cNvSpPr>
           <p:nvPr>
             <p:ph type="sldNum" sz="quarter" idx="12"/>
@@ -1302,7 +1305,7 @@
         <p:nvSpPr>
           <p:cNvPr id="2" name="标题 1"/>
           <p:cNvSpPr>
-            <a:spLocks noGrp="true"/>
+            <a:spLocks noGrp="1"/>
           </p:cNvSpPr>
           <p:nvPr>
             <p:ph type="title"/>
@@ -1330,7 +1333,7 @@
         <p:nvSpPr>
           <p:cNvPr id="3" name="文本占位符 2"/>
           <p:cNvSpPr>
-            <a:spLocks noGrp="true"/>
+            <a:spLocks noGrp="1"/>
           </p:cNvSpPr>
           <p:nvPr>
             <p:ph type="body" idx="1"/>
@@ -1396,7 +1399,7 @@
         <p:nvSpPr>
           <p:cNvPr id="4" name="内容占位符 3"/>
           <p:cNvSpPr>
-            <a:spLocks noGrp="true"/>
+            <a:spLocks noGrp="1"/>
           </p:cNvSpPr>
           <p:nvPr>
             <p:ph sz="half" idx="2"/>
@@ -1457,7 +1460,7 @@
         <p:nvSpPr>
           <p:cNvPr id="5" name="文本占位符 4"/>
           <p:cNvSpPr>
-            <a:spLocks noGrp="true"/>
+            <a:spLocks noGrp="1"/>
           </p:cNvSpPr>
           <p:nvPr>
             <p:ph type="body" sz="quarter" idx="3"/>
@@ -1523,7 +1526,7 @@
         <p:nvSpPr>
           <p:cNvPr id="6" name="内容占位符 5"/>
           <p:cNvSpPr>
-            <a:spLocks noGrp="true"/>
+            <a:spLocks noGrp="1"/>
           </p:cNvSpPr>
           <p:nvPr>
             <p:ph sz="quarter" idx="4"/>
@@ -1584,7 +1587,7 @@
         <p:nvSpPr>
           <p:cNvPr id="7" name="日期占位符 6"/>
           <p:cNvSpPr>
-            <a:spLocks noGrp="true"/>
+            <a:spLocks noGrp="1"/>
           </p:cNvSpPr>
           <p:nvPr>
             <p:ph type="dt" sz="half" idx="10"/>
@@ -1606,7 +1609,7 @@
         <p:nvSpPr>
           <p:cNvPr id="8" name="页脚占位符 7"/>
           <p:cNvSpPr>
-            <a:spLocks noGrp="true"/>
+            <a:spLocks noGrp="1"/>
           </p:cNvSpPr>
           <p:nvPr>
             <p:ph type="ftr" sz="quarter" idx="11"/>
@@ -1625,7 +1628,7 @@
         <p:nvSpPr>
           <p:cNvPr id="9" name="灯片编号占位符 8"/>
           <p:cNvSpPr>
-            <a:spLocks noGrp="true"/>
+            <a:spLocks noGrp="1"/>
           </p:cNvSpPr>
           <p:nvPr>
             <p:ph type="sldNum" sz="quarter" idx="12"/>
@@ -1672,7 +1675,7 @@
         <p:nvSpPr>
           <p:cNvPr id="2" name="标题 1"/>
           <p:cNvSpPr>
-            <a:spLocks noGrp="true"/>
+            <a:spLocks noGrp="1"/>
           </p:cNvSpPr>
           <p:nvPr>
             <p:ph type="title"/>
@@ -1695,7 +1698,7 @@
         <p:nvSpPr>
           <p:cNvPr id="3" name="日期占位符 2"/>
           <p:cNvSpPr>
-            <a:spLocks noGrp="true"/>
+            <a:spLocks noGrp="1"/>
           </p:cNvSpPr>
           <p:nvPr>
             <p:ph type="dt" sz="half" idx="10"/>
@@ -1717,7 +1720,7 @@
         <p:nvSpPr>
           <p:cNvPr id="4" name="页脚占位符 3"/>
           <p:cNvSpPr>
-            <a:spLocks noGrp="true"/>
+            <a:spLocks noGrp="1"/>
           </p:cNvSpPr>
           <p:nvPr>
             <p:ph type="ftr" sz="quarter" idx="11"/>
@@ -1736,7 +1739,7 @@
         <p:nvSpPr>
           <p:cNvPr id="5" name="灯片编号占位符 4"/>
           <p:cNvSpPr>
-            <a:spLocks noGrp="true"/>
+            <a:spLocks noGrp="1"/>
           </p:cNvSpPr>
           <p:nvPr>
             <p:ph type="sldNum" sz="quarter" idx="12"/>
@@ -1783,7 +1786,7 @@
         <p:nvSpPr>
           <p:cNvPr id="2" name="日期占位符 1"/>
           <p:cNvSpPr>
-            <a:spLocks noGrp="true"/>
+            <a:spLocks noGrp="1"/>
           </p:cNvSpPr>
           <p:nvPr>
             <p:ph type="dt" sz="half" idx="10"/>
@@ -1805,7 +1808,7 @@
         <p:nvSpPr>
           <p:cNvPr id="3" name="页脚占位符 2"/>
           <p:cNvSpPr>
-            <a:spLocks noGrp="true"/>
+            <a:spLocks noGrp="1"/>
           </p:cNvSpPr>
           <p:nvPr>
             <p:ph type="ftr" sz="quarter" idx="11"/>
@@ -1824,7 +1827,7 @@
         <p:nvSpPr>
           <p:cNvPr id="4" name="灯片编号占位符 3"/>
           <p:cNvSpPr>
-            <a:spLocks noGrp="true"/>
+            <a:spLocks noGrp="1"/>
           </p:cNvSpPr>
           <p:nvPr>
             <p:ph type="sldNum" sz="quarter" idx="12"/>
@@ -1871,7 +1874,7 @@
         <p:nvSpPr>
           <p:cNvPr id="2" name="标题 1"/>
           <p:cNvSpPr>
-            <a:spLocks noGrp="true"/>
+            <a:spLocks noGrp="1"/>
           </p:cNvSpPr>
           <p:nvPr>
             <p:ph type="title"/>
@@ -1903,7 +1906,7 @@
         <p:nvSpPr>
           <p:cNvPr id="3" name="内容占位符 2"/>
           <p:cNvSpPr>
-            <a:spLocks noGrp="true"/>
+            <a:spLocks noGrp="1"/>
           </p:cNvSpPr>
           <p:nvPr>
             <p:ph idx="1"/>
@@ -1992,7 +1995,7 @@
         <p:nvSpPr>
           <p:cNvPr id="4" name="文本占位符 3"/>
           <p:cNvSpPr>
-            <a:spLocks noGrp="true"/>
+            <a:spLocks noGrp="1"/>
           </p:cNvSpPr>
           <p:nvPr>
             <p:ph type="body" sz="half" idx="2"/>
@@ -2058,7 +2061,7 @@
         <p:nvSpPr>
           <p:cNvPr id="5" name="日期占位符 4"/>
           <p:cNvSpPr>
-            <a:spLocks noGrp="true"/>
+            <a:spLocks noGrp="1"/>
           </p:cNvSpPr>
           <p:nvPr>
             <p:ph type="dt" sz="half" idx="10"/>
@@ -2080,7 +2083,7 @@
         <p:nvSpPr>
           <p:cNvPr id="6" name="页脚占位符 5"/>
           <p:cNvSpPr>
-            <a:spLocks noGrp="true"/>
+            <a:spLocks noGrp="1"/>
           </p:cNvSpPr>
           <p:nvPr>
             <p:ph type="ftr" sz="quarter" idx="11"/>
@@ -2099,7 +2102,7 @@
         <p:nvSpPr>
           <p:cNvPr id="7" name="灯片编号占位符 6"/>
           <p:cNvSpPr>
-            <a:spLocks noGrp="true"/>
+            <a:spLocks noGrp="1"/>
           </p:cNvSpPr>
           <p:nvPr>
             <p:ph type="sldNum" sz="quarter" idx="12"/>
@@ -2146,7 +2149,7 @@
         <p:nvSpPr>
           <p:cNvPr id="2" name="标题 1"/>
           <p:cNvSpPr>
-            <a:spLocks noGrp="true"/>
+            <a:spLocks noGrp="1"/>
           </p:cNvSpPr>
           <p:nvPr>
             <p:ph type="title"/>
@@ -2178,7 +2181,7 @@
         <p:nvSpPr>
           <p:cNvPr id="3" name="图片占位符 2"/>
           <p:cNvSpPr>
-            <a:spLocks noGrp="true"/>
+            <a:spLocks noGrp="1"/>
           </p:cNvSpPr>
           <p:nvPr>
             <p:ph type="pic" idx="1"/>
@@ -2239,7 +2242,7 @@
         <p:nvSpPr>
           <p:cNvPr id="4" name="文本占位符 3"/>
           <p:cNvSpPr>
-            <a:spLocks noGrp="true"/>
+            <a:spLocks noGrp="1"/>
           </p:cNvSpPr>
           <p:nvPr>
             <p:ph type="body" sz="half" idx="2"/>
@@ -2305,7 +2308,7 @@
         <p:nvSpPr>
           <p:cNvPr id="5" name="日期占位符 4"/>
           <p:cNvSpPr>
-            <a:spLocks noGrp="true"/>
+            <a:spLocks noGrp="1"/>
           </p:cNvSpPr>
           <p:nvPr>
             <p:ph type="dt" sz="half" idx="10"/>
@@ -2327,7 +2330,7 @@
         <p:nvSpPr>
           <p:cNvPr id="6" name="页脚占位符 5"/>
           <p:cNvSpPr>
-            <a:spLocks noGrp="true"/>
+            <a:spLocks noGrp="1"/>
           </p:cNvSpPr>
           <p:nvPr>
             <p:ph type="ftr" sz="quarter" idx="11"/>
@@ -2346,7 +2349,7 @@
         <p:nvSpPr>
           <p:cNvPr id="7" name="灯片编号占位符 6"/>
           <p:cNvSpPr>
-            <a:spLocks noGrp="true"/>
+            <a:spLocks noGrp="1"/>
           </p:cNvSpPr>
           <p:nvPr>
             <p:ph type="sldNum" sz="quarter" idx="12"/>
@@ -2398,7 +2401,7 @@
         <p:nvSpPr>
           <p:cNvPr id="2" name="标题占位符 1"/>
           <p:cNvSpPr>
-            <a:spLocks noGrp="true"/>
+            <a:spLocks noGrp="1"/>
           </p:cNvSpPr>
           <p:nvPr>
             <p:ph type="title"/>
@@ -2431,7 +2434,7 @@
         <p:nvSpPr>
           <p:cNvPr id="3" name="文本占位符 2"/>
           <p:cNvSpPr>
-            <a:spLocks noGrp="true"/>
+            <a:spLocks noGrp="1"/>
           </p:cNvSpPr>
           <p:nvPr>
             <p:ph type="body" idx="1"/>
@@ -2497,7 +2500,7 @@
         <p:nvSpPr>
           <p:cNvPr id="4" name="日期占位符 3"/>
           <p:cNvSpPr>
-            <a:spLocks noGrp="true"/>
+            <a:spLocks noGrp="1"/>
           </p:cNvSpPr>
           <p:nvPr>
             <p:ph type="dt" sz="half" idx="2"/>
@@ -2537,7 +2540,7 @@
         <p:nvSpPr>
           <p:cNvPr id="5" name="页脚占位符 4"/>
           <p:cNvSpPr>
-            <a:spLocks noGrp="true"/>
+            <a:spLocks noGrp="1"/>
           </p:cNvSpPr>
           <p:nvPr>
             <p:ph type="ftr" sz="quarter" idx="3"/>
@@ -2574,7 +2577,7 @@
         <p:nvSpPr>
           <p:cNvPr id="6" name="灯片编号占位符 5"/>
           <p:cNvSpPr>
-            <a:spLocks noGrp="true"/>
+            <a:spLocks noGrp="1"/>
           </p:cNvSpPr>
           <p:nvPr>
             <p:ph type="sldNum" sz="quarter" idx="4"/>
@@ -2654,7 +2657,7 @@
         <a:spcBef>
           <a:spcPts val="1000"/>
         </a:spcBef>
-        <a:buFont typeface="Arial" panose="02080604020202020204" pitchFamily="34" charset="0"/>
+        <a:buFont typeface="Arial" panose="020B0604020202020204" pitchFamily="34" charset="0"/>
         <a:buChar char="•"/>
         <a:defRPr sz="2800" kern="1200">
           <a:solidFill>
@@ -2672,7 +2675,7 @@
         <a:spcBef>
           <a:spcPts val="500"/>
         </a:spcBef>
-        <a:buFont typeface="Arial" panose="02080604020202020204" pitchFamily="34" charset="0"/>
+        <a:buFont typeface="Arial" panose="020B0604020202020204" pitchFamily="34" charset="0"/>
         <a:buChar char="•"/>
         <a:defRPr sz="2400" kern="1200">
           <a:solidFill>
@@ -2690,7 +2693,7 @@
         <a:spcBef>
           <a:spcPts val="500"/>
         </a:spcBef>
-        <a:buFont typeface="Arial" panose="02080604020202020204" pitchFamily="34" charset="0"/>
+        <a:buFont typeface="Arial" panose="020B0604020202020204" pitchFamily="34" charset="0"/>
         <a:buChar char="•"/>
         <a:defRPr sz="2000" kern="1200">
           <a:solidFill>
@@ -2708,7 +2711,7 @@
         <a:spcBef>
           <a:spcPts val="500"/>
         </a:spcBef>
-        <a:buFont typeface="Arial" panose="02080604020202020204" pitchFamily="34" charset="0"/>
+        <a:buFont typeface="Arial" panose="020B0604020202020204" pitchFamily="34" charset="0"/>
         <a:buChar char="•"/>
         <a:defRPr sz="1800" kern="1200">
           <a:solidFill>
@@ -2726,7 +2729,7 @@
         <a:spcBef>
           <a:spcPts val="500"/>
         </a:spcBef>
-        <a:buFont typeface="Arial" panose="02080604020202020204" pitchFamily="34" charset="0"/>
+        <a:buFont typeface="Arial" panose="020B0604020202020204" pitchFamily="34" charset="0"/>
         <a:buChar char="•"/>
         <a:defRPr sz="1800" kern="1200">
           <a:solidFill>
@@ -2744,7 +2747,7 @@
         <a:spcBef>
           <a:spcPts val="500"/>
         </a:spcBef>
-        <a:buFont typeface="Arial" panose="02080604020202020204" pitchFamily="34" charset="0"/>
+        <a:buFont typeface="Arial" panose="020B0604020202020204" pitchFamily="34" charset="0"/>
         <a:buChar char="•"/>
         <a:defRPr sz="1800" kern="1200">
           <a:solidFill>
@@ -2762,7 +2765,7 @@
         <a:spcBef>
           <a:spcPts val="500"/>
         </a:spcBef>
-        <a:buFont typeface="Arial" panose="02080604020202020204" pitchFamily="34" charset="0"/>
+        <a:buFont typeface="Arial" panose="020B0604020202020204" pitchFamily="34" charset="0"/>
         <a:buChar char="•"/>
         <a:defRPr sz="1800" kern="1200">
           <a:solidFill>
@@ -2780,7 +2783,7 @@
         <a:spcBef>
           <a:spcPts val="500"/>
         </a:spcBef>
-        <a:buFont typeface="Arial" panose="02080604020202020204" pitchFamily="34" charset="0"/>
+        <a:buFont typeface="Arial" panose="020B0604020202020204" pitchFamily="34" charset="0"/>
         <a:buChar char="•"/>
         <a:defRPr sz="1800" kern="1200">
           <a:solidFill>
@@ -2798,7 +2801,7 @@
         <a:spcBef>
           <a:spcPts val="500"/>
         </a:spcBef>
-        <a:buFont typeface="Arial" panose="02080604020202020204" pitchFamily="34" charset="0"/>
+        <a:buFont typeface="Arial" panose="020B0604020202020204" pitchFamily="34" charset="0"/>
         <a:buChar char="•"/>
         <a:defRPr sz="1800" kern="1200">
           <a:solidFill>
@@ -2923,7 +2926,7 @@
         <p:nvSpPr>
           <p:cNvPr id="2" name="Title 1"/>
           <p:cNvSpPr>
-            <a:spLocks noGrp="true"/>
+            <a:spLocks noGrp="1"/>
           </p:cNvSpPr>
           <p:nvPr>
             <p:ph type="ctrTitle"/>
@@ -2945,7 +2948,7 @@
         <p:nvSpPr>
           <p:cNvPr id="3" name="Subtitle 2"/>
           <p:cNvSpPr>
-            <a:spLocks noGrp="true"/>
+            <a:spLocks noGrp="1"/>
           </p:cNvSpPr>
           <p:nvPr>
             <p:ph type="subTitle" idx="1"/>
@@ -2981,7 +2984,7 @@
         <p:nvSpPr>
           <p:cNvPr id="2" name="Title 1"/>
           <p:cNvSpPr>
-            <a:spLocks noGrp="true"/>
+            <a:spLocks noGrp="1"/>
           </p:cNvSpPr>
           <p:nvPr>
             <p:ph type="title"/>
@@ -3003,7 +3006,7 @@
         <p:nvPicPr>
           <p:cNvPr id="4" name="Content Placeholder 3"/>
           <p:cNvPicPr>
-            <a:picLocks noChangeAspect="true"/>
+            <a:picLocks noChangeAspect="1"/>
           </p:cNvPicPr>
           <p:nvPr>
             <p:ph idx="1"/>
@@ -3049,7 +3052,7 @@
         <p:nvSpPr>
           <p:cNvPr id="2" name="Title 1"/>
           <p:cNvSpPr>
-            <a:spLocks noGrp="true"/>
+            <a:spLocks noGrp="1"/>
           </p:cNvSpPr>
           <p:nvPr>
             <p:ph type="title"/>
@@ -3071,7 +3074,7 @@
         <p:nvPicPr>
           <p:cNvPr id="5" name="Content Placeholder 4"/>
           <p:cNvPicPr>
-            <a:picLocks noChangeAspect="true"/>
+            <a:picLocks noChangeAspect="1"/>
           </p:cNvPicPr>
           <p:nvPr>
             <p:ph idx="1"/>
@@ -3117,7 +3120,7 @@
         <p:nvSpPr>
           <p:cNvPr id="2" name="Title 1"/>
           <p:cNvSpPr>
-            <a:spLocks noGrp="true"/>
+            <a:spLocks noGrp="1"/>
           </p:cNvSpPr>
           <p:nvPr>
             <p:ph type="title"/>
@@ -3139,7 +3142,7 @@
         <p:nvSpPr>
           <p:cNvPr id="3" name="Content Placeholder 2"/>
           <p:cNvSpPr>
-            <a:spLocks noGrp="true"/>
+            <a:spLocks noGrp="1"/>
           </p:cNvSpPr>
           <p:nvPr>
             <p:ph idx="1"/>
@@ -3208,7 +3211,7 @@
         <p:nvPicPr>
           <p:cNvPr id="5" name="Picture 4"/>
           <p:cNvPicPr>
-            <a:picLocks noChangeAspect="true"/>
+            <a:picLocks noChangeAspect="1"/>
           </p:cNvPicPr>
           <p:nvPr/>
         </p:nvPicPr>
@@ -3234,7 +3237,7 @@
         <p:nvPicPr>
           <p:cNvPr id="7" name="Picture 6"/>
           <p:cNvPicPr>
-            <a:picLocks noChangeAspect="true"/>
+            <a:picLocks noChangeAspect="1"/>
           </p:cNvPicPr>
           <p:nvPr/>
         </p:nvPicPr>
@@ -3278,7 +3281,7 @@
         <p:nvSpPr>
           <p:cNvPr id="2" name="Title 1"/>
           <p:cNvSpPr>
-            <a:spLocks noGrp="true"/>
+            <a:spLocks noGrp="1"/>
           </p:cNvSpPr>
           <p:nvPr>
             <p:ph type="title"/>
@@ -3302,7 +3305,7 @@
         <p:nvSpPr>
           <p:cNvPr id="3" name="Content Placeholder 2"/>
           <p:cNvSpPr>
-            <a:spLocks noGrp="true"/>
+            <a:spLocks noGrp="1"/>
           </p:cNvSpPr>
           <p:nvPr>
             <p:ph idx="1"/>
@@ -3384,7 +3387,7 @@
         <p:nvPicPr>
           <p:cNvPr id="5" name="Picture 4"/>
           <p:cNvPicPr>
-            <a:picLocks noChangeAspect="true"/>
+            <a:picLocks noChangeAspect="1"/>
           </p:cNvPicPr>
           <p:nvPr/>
         </p:nvPicPr>
@@ -3410,7 +3413,7 @@
         <p:nvPicPr>
           <p:cNvPr id="6" name="Picture 5"/>
           <p:cNvPicPr>
-            <a:picLocks noChangeAspect="true"/>
+            <a:picLocks noChangeAspect="1"/>
           </p:cNvPicPr>
           <p:nvPr/>
         </p:nvPicPr>
@@ -3436,7 +3439,7 @@
         <p:nvPicPr>
           <p:cNvPr id="7" name="Picture 6"/>
           <p:cNvPicPr>
-            <a:picLocks noChangeAspect="true"/>
+            <a:picLocks noChangeAspect="1"/>
           </p:cNvPicPr>
           <p:nvPr/>
         </p:nvPicPr>
@@ -3481,7 +3484,7 @@
         <p:nvSpPr>
           <p:cNvPr id="2" name="Title 1"/>
           <p:cNvSpPr>
-            <a:spLocks noGrp="true"/>
+            <a:spLocks noGrp="1"/>
           </p:cNvSpPr>
           <p:nvPr>
             <p:ph type="title"/>
@@ -3505,7 +3508,7 @@
         <p:nvSpPr>
           <p:cNvPr id="3" name="Content Placeholder 2"/>
           <p:cNvSpPr>
-            <a:spLocks noGrp="true"/>
+            <a:spLocks noGrp="1"/>
           </p:cNvSpPr>
           <p:nvPr>
             <p:ph idx="1"/>
@@ -3579,7 +3582,7 @@
         <p:nvPicPr>
           <p:cNvPr id="5" name="Picture 4"/>
           <p:cNvPicPr>
-            <a:picLocks noChangeAspect="true"/>
+            <a:picLocks noChangeAspect="1"/>
           </p:cNvPicPr>
           <p:nvPr/>
         </p:nvPicPr>
@@ -3606,7 +3609,7 @@
         <p:nvPicPr>
           <p:cNvPr id="6" name="Picture 5"/>
           <p:cNvPicPr>
-            <a:picLocks noChangeAspect="true"/>
+            <a:picLocks noChangeAspect="1"/>
           </p:cNvPicPr>
           <p:nvPr/>
         </p:nvPicPr>
@@ -3628,6 +3631,308 @@
           </a:prstGeom>
         </p:spPr>
       </p:pic>
+    </p:spTree>
+  </p:cSld>
+  <p:clrMapOvr>
+    <a:masterClrMapping/>
+  </p:clrMapOvr>
+</p:sld>
+</file>
+
+<file path=ppt/slides/slide7.xml><?xml version="1.0" encoding="utf-8"?>
+<p:sld xmlns:a="http://schemas.openxmlformats.org/drawingml/2006/main" xmlns:r="http://schemas.openxmlformats.org/officeDocument/2006/relationships" xmlns:p="http://schemas.openxmlformats.org/presentationml/2006/main">
+  <p:cSld>
+    <p:spTree>
+      <p:nvGrpSpPr>
+        <p:cNvPr id="1" name=""/>
+        <p:cNvGrpSpPr/>
+        <p:nvPr/>
+      </p:nvGrpSpPr>
+      <p:grpSpPr/>
+      <p:sp>
+        <p:nvSpPr>
+          <p:cNvPr id="2" name="Title 1"/>
+          <p:cNvSpPr>
+            <a:spLocks noGrp="1"/>
+          </p:cNvSpPr>
+          <p:nvPr>
+            <p:ph type="ctrTitle"/>
+          </p:nvPr>
+        </p:nvSpPr>
+        <p:spPr/>
+        <p:txBody>
+          <a:bodyPr/>
+          <a:p>
+            <a:r>
+              <a:rPr lang="en-US" sz="3600"/>
+              <a:t>A Simple Abstraction Refinement Technique for</a:t>
+            </a:r>
+            <a:br>
+              <a:rPr lang="en-US" sz="3600"/>
+            </a:br>
+            <a:r>
+              <a:rPr lang="en-US" sz="3600"/>
+              <a:t>Property Directed Reachability</a:t>
+            </a:r>
+            <a:endParaRPr lang="en-US" sz="3600"/>
+          </a:p>
+        </p:txBody>
+      </p:sp>
+    </p:spTree>
+  </p:cSld>
+  <p:clrMapOvr>
+    <a:masterClrMapping/>
+  </p:clrMapOvr>
+</p:sld>
+</file>
+
+<file path=ppt/slides/slide8.xml><?xml version="1.0" encoding="utf-8"?>
+<p:sld xmlns:a="http://schemas.openxmlformats.org/drawingml/2006/main" xmlns:r="http://schemas.openxmlformats.org/officeDocument/2006/relationships" xmlns:p="http://schemas.openxmlformats.org/presentationml/2006/main">
+  <p:cSld>
+    <p:spTree>
+      <p:nvGrpSpPr>
+        <p:cNvPr id="1" name=""/>
+        <p:cNvGrpSpPr/>
+        <p:nvPr/>
+      </p:nvGrpSpPr>
+      <p:grpSpPr/>
+      <p:sp>
+        <p:nvSpPr>
+          <p:cNvPr id="2" name="Title 1"/>
+          <p:cNvSpPr>
+            <a:spLocks noGrp="1"/>
+          </p:cNvSpPr>
+          <p:nvPr>
+            <p:ph type="title"/>
+          </p:nvPr>
+        </p:nvSpPr>
+        <p:spPr/>
+        <p:txBody>
+          <a:bodyPr/>
+          <a:p>
+            <a:r>
+              <a:rPr lang="en-US"/>
+              <a:t>Property Directed Reachability</a:t>
+            </a:r>
+            <a:endParaRPr lang="en-US"/>
+          </a:p>
+        </p:txBody>
+      </p:sp>
+      <p:sp>
+        <p:nvSpPr>
+          <p:cNvPr id="3" name="Content Placeholder 2"/>
+          <p:cNvSpPr>
+            <a:spLocks noGrp="1"/>
+          </p:cNvSpPr>
+          <p:nvPr>
+            <p:ph idx="1"/>
+          </p:nvPr>
+        </p:nvSpPr>
+        <p:spPr/>
+        <p:txBody>
+          <a:bodyPr/>
+          <a:p>
+            <a:pPr marL="0" indent="0">
+              <a:buNone/>
+            </a:pPr>
+            <a:r>
+              <a:rPr lang="en-US" sz="2000">
+                <a:latin typeface="Times New Roman" panose="02020603050405020304" charset="0"/>
+                <a:cs typeface="Times New Roman" panose="02020603050405020304" charset="0"/>
+              </a:rPr>
+              <a:t>Given a transition system and a predicate, the property directed reachability algorithm aims to compute an inductive invariant of the system stronger than the predicate.</a:t>
+            </a:r>
+            <a:endParaRPr lang="en-US" sz="2000">
+              <a:latin typeface="Times New Roman" panose="02020603050405020304" charset="0"/>
+              <a:cs typeface="Times New Roman" panose="02020603050405020304" charset="0"/>
+            </a:endParaRPr>
+          </a:p>
+        </p:txBody>
+      </p:sp>
+      <p:pic>
+        <p:nvPicPr>
+          <p:cNvPr id="4" name="Picture 3"/>
+          <p:cNvPicPr>
+            <a:picLocks noChangeAspect="1"/>
+          </p:cNvPicPr>
+          <p:nvPr/>
+        </p:nvPicPr>
+        <p:blipFill>
+          <a:blip r:embed="rId1">
+            <a:lum bright="-12000" contrast="24000"/>
+          </a:blip>
+          <a:stretch>
+            <a:fillRect/>
+          </a:stretch>
+        </p:blipFill>
+        <p:spPr>
+          <a:xfrm>
+            <a:off x="838200" y="2513330"/>
+            <a:ext cx="8991600" cy="942975"/>
+          </a:xfrm>
+          <a:prstGeom prst="rect">
+            <a:avLst/>
+          </a:prstGeom>
+        </p:spPr>
+      </p:pic>
+    </p:spTree>
+  </p:cSld>
+  <p:clrMapOvr>
+    <a:masterClrMapping/>
+  </p:clrMapOvr>
+</p:sld>
+</file>
+
+<file path=ppt/slides/slide9.xml><?xml version="1.0" encoding="utf-8"?>
+<p:sld xmlns:a="http://schemas.openxmlformats.org/drawingml/2006/main" xmlns:r="http://schemas.openxmlformats.org/officeDocument/2006/relationships" xmlns:p="http://schemas.openxmlformats.org/presentationml/2006/main">
+  <p:cSld>
+    <p:spTree>
+      <p:nvGrpSpPr>
+        <p:cNvPr id="1" name=""/>
+        <p:cNvGrpSpPr/>
+        <p:nvPr/>
+      </p:nvGrpSpPr>
+      <p:grpSpPr/>
+      <p:sp>
+        <p:nvSpPr>
+          <p:cNvPr id="2" name="Title 1"/>
+          <p:cNvSpPr>
+            <a:spLocks noGrp="1"/>
+          </p:cNvSpPr>
+          <p:nvPr>
+            <p:ph type="title"/>
+          </p:nvPr>
+        </p:nvSpPr>
+        <p:spPr/>
+        <p:txBody>
+          <a:bodyPr/>
+          <a:p>
+            <a:r>
+              <a:rPr lang="en-US">
+                <a:sym typeface="+mn-ea"/>
+              </a:rPr>
+              <a:t>Property Directed Reachability</a:t>
+            </a:r>
+            <a:endParaRPr lang="en-US"/>
+          </a:p>
+        </p:txBody>
+      </p:sp>
+      <p:pic>
+        <p:nvPicPr>
+          <p:cNvPr id="5" name="Content Placeholder 4"/>
+          <p:cNvPicPr>
+            <a:picLocks noChangeAspect="1"/>
+          </p:cNvPicPr>
+          <p:nvPr>
+            <p:ph idx="1"/>
+          </p:nvPr>
+        </p:nvPicPr>
+        <p:blipFill>
+          <a:blip r:embed="rId1">
+            <a:lum bright="-12000" contrast="24000"/>
+          </a:blip>
+          <a:stretch>
+            <a:fillRect/>
+          </a:stretch>
+        </p:blipFill>
+        <p:spPr>
+          <a:xfrm>
+            <a:off x="1080770" y="1691005"/>
+            <a:ext cx="7046595" cy="4351655"/>
+          </a:xfrm>
+          <a:prstGeom prst="rect">
+            <a:avLst/>
+          </a:prstGeom>
+        </p:spPr>
+      </p:pic>
+      <p:sp>
+        <p:nvSpPr>
+          <p:cNvPr id="6" name="Text Box 5"/>
+          <p:cNvSpPr txBox="1"/>
+          <p:nvPr/>
+        </p:nvSpPr>
+        <p:spPr>
+          <a:xfrm>
+            <a:off x="8400415" y="3314700"/>
+            <a:ext cx="3187700" cy="2030095"/>
+          </a:xfrm>
+          <a:prstGeom prst="rect">
+            <a:avLst/>
+          </a:prstGeom>
+          <a:noFill/>
+        </p:spPr>
+        <p:txBody>
+          <a:bodyPr wrap="square" rtlCol="0">
+            <a:spAutoFit/>
+          </a:bodyPr>
+          <a:p>
+            <a:endParaRPr lang="en-US"/>
+          </a:p>
+          <a:p>
+            <a:r>
+              <a:rPr lang="en-US">
+                <a:latin typeface="Times New Roman" panose="02020603050405020304" charset="0"/>
+                <a:cs typeface="Times New Roman" panose="02020603050405020304" charset="0"/>
+              </a:rPr>
+              <a:t>-</a:t>
+            </a:r>
+            <a:r>
+              <a:rPr lang="en-US"/>
+              <a:t> </a:t>
+            </a:r>
+            <a:r>
+              <a:rPr lang="en-US">
+                <a:latin typeface="Times New Roman" panose="02020603050405020304" charset="0"/>
+                <a:cs typeface="Times New Roman" panose="02020603050405020304" charset="0"/>
+              </a:rPr>
+              <a:t>a clause set F is strengthened by adding a clause </a:t>
+            </a:r>
+            <a:r>
+              <a:rPr lang="en-US" altLang="en-US">
+                <a:sym typeface="+mn-ea"/>
+              </a:rPr>
+              <a:t>¬</a:t>
+            </a:r>
+            <a:r>
+              <a:rPr lang="en-US">
+                <a:latin typeface="Times New Roman" panose="02020603050405020304" charset="0"/>
+                <a:cs typeface="Times New Roman" panose="02020603050405020304" charset="0"/>
+              </a:rPr>
+              <a:t>t</a:t>
+            </a:r>
+            <a:endParaRPr lang="en-US">
+              <a:latin typeface="Times New Roman" panose="02020603050405020304" charset="0"/>
+              <a:cs typeface="Times New Roman" panose="02020603050405020304" charset="0"/>
+            </a:endParaRPr>
+          </a:p>
+          <a:p>
+            <a:r>
+              <a:rPr lang="en-US">
+                <a:latin typeface="Times New Roman" panose="02020603050405020304" charset="0"/>
+                <a:cs typeface="Times New Roman" panose="02020603050405020304" charset="0"/>
+              </a:rPr>
+              <a:t>- propagates clauses in Fk and check if an inductive invariant found</a:t>
+            </a:r>
+            <a:endParaRPr lang="en-US">
+              <a:latin typeface="Times New Roman" panose="02020603050405020304" charset="0"/>
+              <a:cs typeface="Times New Roman" panose="02020603050405020304" charset="0"/>
+            </a:endParaRPr>
+          </a:p>
+          <a:p>
+            <a:r>
+              <a:rPr lang="en-US">
+                <a:latin typeface="Times New Roman" panose="02020603050405020304" charset="0"/>
+                <a:cs typeface="Times New Roman" panose="02020603050405020304" charset="0"/>
+              </a:rPr>
+              <a:t>- [F(k+1)] = [tt]</a:t>
+            </a:r>
+            <a:endParaRPr lang="en-US">
+              <a:latin typeface="Times New Roman" panose="02020603050405020304" charset="0"/>
+              <a:cs typeface="Times New Roman" panose="02020603050405020304" charset="0"/>
+            </a:endParaRPr>
+          </a:p>
+        </p:txBody>
+      </p:sp>
     </p:spTree>
   </p:cSld>
   <p:clrMapOvr>
@@ -3754,7 +4059,7 @@
         <a:solidFill>
           <a:schemeClr val="phClr"/>
         </a:solidFill>
-        <a:gradFill rotWithShape="true">
+        <a:gradFill rotWithShape="1">
           <a:gsLst>
             <a:gs pos="0">
               <a:schemeClr val="phClr">
@@ -3778,9 +4083,9 @@
               </a:schemeClr>
             </a:gs>
           </a:gsLst>
-          <a:lin ang="5400000" scaled="false"/>
+          <a:lin ang="5400000" scaled="0"/>
         </a:gradFill>
-        <a:gradFill rotWithShape="true">
+        <a:gradFill rotWithShape="1">
           <a:gsLst>
             <a:gs pos="0">
               <a:schemeClr val="phClr">
@@ -3804,7 +4109,7 @@
               </a:schemeClr>
             </a:gs>
           </a:gsLst>
-          <a:lin ang="5400000" scaled="false"/>
+          <a:lin ang="5400000" scaled="0"/>
         </a:gradFill>
       </a:fillStyleLst>
       <a:lnStyleLst>
@@ -3857,7 +4162,7 @@
             <a:satMod val="170000"/>
           </a:schemeClr>
         </a:solidFill>
-        <a:gradFill rotWithShape="true">
+        <a:gradFill rotWithShape="1">
           <a:gsLst>
             <a:gs pos="0">
               <a:schemeClr val="phClr">
@@ -3882,7 +4187,7 @@
               </a:schemeClr>
             </a:gs>
           </a:gsLst>
-          <a:lin ang="5400000" scaled="false"/>
+          <a:lin ang="5400000" scaled="0"/>
         </a:gradFill>
       </a:bgFillStyleLst>
     </a:fmtScheme>
